--- a/Architecture/overview.pptx
+++ b/Architecture/overview.pptx
@@ -251,7 +251,7 @@
           <a:p>
             <a:fld id="{846CE7D5-CF57-46EF-B807-FDD0502418D4}" type="datetimeFigureOut">
               <a:rPr lang="en-US" smtClean="0"/>
-              <a:t>10/11/2019</a:t>
+              <a:t>1/16/20</a:t>
             </a:fld>
             <a:endParaRPr lang="en-US"/>
           </a:p>
@@ -421,7 +421,7 @@
           <a:p>
             <a:fld id="{846CE7D5-CF57-46EF-B807-FDD0502418D4}" type="datetimeFigureOut">
               <a:rPr lang="en-US" smtClean="0"/>
-              <a:t>10/11/2019</a:t>
+              <a:t>1/16/20</a:t>
             </a:fld>
             <a:endParaRPr lang="en-US"/>
           </a:p>
@@ -601,7 +601,7 @@
           <a:p>
             <a:fld id="{846CE7D5-CF57-46EF-B807-FDD0502418D4}" type="datetimeFigureOut">
               <a:rPr lang="en-US" smtClean="0"/>
-              <a:t>10/11/2019</a:t>
+              <a:t>1/16/20</a:t>
             </a:fld>
             <a:endParaRPr lang="en-US"/>
           </a:p>
@@ -771,7 +771,7 @@
           <a:p>
             <a:fld id="{846CE7D5-CF57-46EF-B807-FDD0502418D4}" type="datetimeFigureOut">
               <a:rPr lang="en-US" smtClean="0"/>
-              <a:t>10/11/2019</a:t>
+              <a:t>1/16/20</a:t>
             </a:fld>
             <a:endParaRPr lang="en-US"/>
           </a:p>
@@ -1017,7 +1017,7 @@
           <a:p>
             <a:fld id="{846CE7D5-CF57-46EF-B807-FDD0502418D4}" type="datetimeFigureOut">
               <a:rPr lang="en-US" smtClean="0"/>
-              <a:t>10/11/2019</a:t>
+              <a:t>1/16/20</a:t>
             </a:fld>
             <a:endParaRPr lang="en-US"/>
           </a:p>
@@ -1249,7 +1249,7 @@
           <a:p>
             <a:fld id="{846CE7D5-CF57-46EF-B807-FDD0502418D4}" type="datetimeFigureOut">
               <a:rPr lang="en-US" smtClean="0"/>
-              <a:t>10/11/2019</a:t>
+              <a:t>1/16/20</a:t>
             </a:fld>
             <a:endParaRPr lang="en-US"/>
           </a:p>
@@ -1616,7 +1616,7 @@
           <a:p>
             <a:fld id="{846CE7D5-CF57-46EF-B807-FDD0502418D4}" type="datetimeFigureOut">
               <a:rPr lang="en-US" smtClean="0"/>
-              <a:t>10/11/2019</a:t>
+              <a:t>1/16/20</a:t>
             </a:fld>
             <a:endParaRPr lang="en-US"/>
           </a:p>
@@ -1734,7 +1734,7 @@
           <a:p>
             <a:fld id="{846CE7D5-CF57-46EF-B807-FDD0502418D4}" type="datetimeFigureOut">
               <a:rPr lang="en-US" smtClean="0"/>
-              <a:t>10/11/2019</a:t>
+              <a:t>1/16/20</a:t>
             </a:fld>
             <a:endParaRPr lang="en-US"/>
           </a:p>
@@ -1829,7 +1829,7 @@
           <a:p>
             <a:fld id="{846CE7D5-CF57-46EF-B807-FDD0502418D4}" type="datetimeFigureOut">
               <a:rPr lang="en-US" smtClean="0"/>
-              <a:t>10/11/2019</a:t>
+              <a:t>1/16/20</a:t>
             </a:fld>
             <a:endParaRPr lang="en-US"/>
           </a:p>
@@ -2106,7 +2106,7 @@
           <a:p>
             <a:fld id="{846CE7D5-CF57-46EF-B807-FDD0502418D4}" type="datetimeFigureOut">
               <a:rPr lang="en-US" smtClean="0"/>
-              <a:t>10/11/2019</a:t>
+              <a:t>1/16/20</a:t>
             </a:fld>
             <a:endParaRPr lang="en-US"/>
           </a:p>
@@ -2363,7 +2363,7 @@
           <a:p>
             <a:fld id="{846CE7D5-CF57-46EF-B807-FDD0502418D4}" type="datetimeFigureOut">
               <a:rPr lang="en-US" smtClean="0"/>
-              <a:t>10/11/2019</a:t>
+              <a:t>1/16/20</a:t>
             </a:fld>
             <a:endParaRPr lang="en-US"/>
           </a:p>
@@ -2576,7 +2576,7 @@
           <a:p>
             <a:fld id="{846CE7D5-CF57-46EF-B807-FDD0502418D4}" type="datetimeFigureOut">
               <a:rPr lang="en-US" smtClean="0"/>
-              <a:t>10/11/2019</a:t>
+              <a:t>1/16/20</a:t>
             </a:fld>
             <a:endParaRPr lang="en-US"/>
           </a:p>
@@ -3069,7 +3069,7 @@
         </p:nvCxnSpPr>
         <p:spPr>
           <a:xfrm>
-            <a:off x="8620538" y="1235765"/>
+            <a:off x="9429136" y="1250351"/>
             <a:ext cx="66261" cy="5022573"/>
           </a:xfrm>
           <a:prstGeom prst="straightConnector1">
@@ -4148,8 +4148,8 @@
         </p:nvSpPr>
         <p:spPr>
           <a:xfrm>
-            <a:off x="2965128" y="1224258"/>
-            <a:ext cx="2835030" cy="5202116"/>
+            <a:off x="3215725" y="1224258"/>
+            <a:ext cx="3018747" cy="5202116"/>
           </a:xfrm>
           <a:prstGeom prst="rect">
             <a:avLst/>
@@ -4288,47 +4288,11 @@
                   <a:srgbClr val="D86613"/>
                 </a:solidFill>
               </a:rPr>
-              <a:t>EC2 instance contents(Kubernetes)</a:t>
-            </a:r>
-          </a:p>
-        </p:txBody>
-      </p:sp>
-      <p:pic>
-        <p:nvPicPr>
-          <p:cNvPr id="19" name="Graphic 1">
-            <a:extLst>
-              <a:ext uri="{FF2B5EF4-FFF2-40B4-BE49-F238E27FC236}">
-                <a16:creationId xmlns:a16="http://schemas.microsoft.com/office/drawing/2014/main" id="{2753C53B-1290-4554-8BF6-716729B3623B}"/>
-              </a:ext>
-            </a:extLst>
-          </p:cNvPr>
-          <p:cNvPicPr>
-            <a:picLocks noChangeAspect="1"/>
-          </p:cNvPicPr>
-          <p:nvPr/>
-        </p:nvPicPr>
-        <p:blipFill>
-          <a:blip r:embed="rId8">
-            <a:extLst>
-              <a:ext uri="{96DAC541-7B7A-43D3-8B79-37D633B846F1}">
-                <asvg:svgBlip xmlns:asvg="http://schemas.microsoft.com/office/drawing/2016/SVG/main" r:embed="rId9"/>
-              </a:ext>
-            </a:extLst>
-          </a:blip>
-          <a:stretch>
-            <a:fillRect/>
-          </a:stretch>
-        </p:blipFill>
-        <p:spPr>
-          <a:xfrm>
-            <a:off x="3136742" y="1521690"/>
-            <a:ext cx="675053" cy="667727"/>
-          </a:xfrm>
-          <a:prstGeom prst="rect">
-            <a:avLst/>
-          </a:prstGeom>
-        </p:spPr>
-      </p:pic>
+              <a:t>containers(Kubernetes)</a:t>
+            </a:r>
+          </a:p>
+        </p:txBody>
+      </p:sp>
       <p:sp>
         <p:nvSpPr>
           <p:cNvPr id="20" name="TextBox 3">
@@ -4343,7 +4307,7 @@
         </p:nvSpPr>
         <p:spPr>
           <a:xfrm>
-            <a:off x="2922234" y="2108537"/>
+            <a:off x="2218180" y="2110726"/>
             <a:ext cx="1072750" cy="523220"/>
           </a:xfrm>
           <a:prstGeom prst="rect">
@@ -4457,32 +4421,9 @@
                 <a:solidFill>
                   <a:srgbClr val="232F3E"/>
                 </a:solidFill>
-                <a:cs typeface="Calibri"/>
               </a:rPr>
-              <a:t>Gate Way</a:t>
-            </a:r>
-            <a:br>
-              <a:rPr lang="en-US" sz="1400" dirty="0">
-                <a:solidFill>
-                  <a:srgbClr val="232F3E"/>
-                </a:solidFill>
-                <a:cs typeface="Calibri"/>
-              </a:rPr>
-            </a:br>
-            <a:r>
-              <a:rPr lang="en-US" sz="1400" dirty="0">
-                <a:solidFill>
-                  <a:srgbClr val="232F3E"/>
-                </a:solidFill>
-                <a:cs typeface="Calibri"/>
-              </a:rPr>
-              <a:t>Node.js</a:t>
-            </a:r>
-            <a:endParaRPr lang="en-US" sz="1400" dirty="0">
-              <a:solidFill>
-                <a:srgbClr val="232F3E"/>
-              </a:solidFill>
-            </a:endParaRPr>
+              <a:t>AWS API-GW</a:t>
+            </a:r>
           </a:p>
         </p:txBody>
       </p:sp>
@@ -4500,7 +4441,7 @@
         </p:nvSpPr>
         <p:spPr>
           <a:xfrm>
-            <a:off x="2043002" y="1090095"/>
+            <a:off x="507402" y="1018958"/>
             <a:ext cx="1072750" cy="523220"/>
           </a:xfrm>
           <a:prstGeom prst="rect">
@@ -4635,13 +4576,17 @@
               </a:ext>
             </a:extLst>
           </p:cNvPr>
-          <p:cNvCxnSpPr/>
+          <p:cNvCxnSpPr>
+            <a:cxnSpLocks/>
+            <a:stCxn id="9" idx="3"/>
+            <a:endCxn id="59" idx="1"/>
+          </p:cNvCxnSpPr>
           <p:nvPr/>
         </p:nvCxnSpPr>
         <p:spPr>
           <a:xfrm>
-            <a:off x="2059596" y="1568692"/>
-            <a:ext cx="1038958" cy="298939"/>
+            <a:off x="1986386" y="1485301"/>
+            <a:ext cx="470201" cy="308558"/>
           </a:xfrm>
           <a:prstGeom prst="straightConnector1">
             <a:avLst/>
@@ -4676,13 +4621,15 @@
           </p:cNvPr>
           <p:cNvCxnSpPr>
             <a:cxnSpLocks/>
+            <a:stCxn id="8" idx="3"/>
+            <a:endCxn id="59" idx="1"/>
           </p:cNvCxnSpPr>
           <p:nvPr/>
         </p:nvCxnSpPr>
         <p:spPr>
           <a:xfrm flipV="1">
-            <a:off x="2081577" y="1911592"/>
-            <a:ext cx="1002323" cy="536331"/>
+            <a:off x="1957561" y="1793859"/>
+            <a:ext cx="499026" cy="702557"/>
           </a:xfrm>
           <a:prstGeom prst="straightConnector1">
             <a:avLst/>
@@ -4734,7 +4681,7 @@
         </p:blipFill>
         <p:spPr>
           <a:xfrm>
-            <a:off x="3136742" y="2642709"/>
+            <a:off x="3457590" y="2687058"/>
             <a:ext cx="675053" cy="667727"/>
           </a:xfrm>
           <a:prstGeom prst="rect">
@@ -4756,7 +4703,7 @@
         </p:nvSpPr>
         <p:spPr>
           <a:xfrm>
-            <a:off x="2636484" y="3170940"/>
+            <a:off x="2983155" y="3251546"/>
             <a:ext cx="1636922" cy="523220"/>
           </a:xfrm>
           <a:prstGeom prst="rect">
@@ -4927,7 +4874,7 @@
         </p:blipFill>
         <p:spPr>
           <a:xfrm>
-            <a:off x="3122088" y="4313247"/>
+            <a:off x="3454207" y="4291435"/>
             <a:ext cx="675053" cy="667727"/>
           </a:xfrm>
           <a:prstGeom prst="rect">
@@ -4949,7 +4896,7 @@
         </p:nvSpPr>
         <p:spPr>
           <a:xfrm>
-            <a:off x="2621830" y="4841478"/>
+            <a:off x="2924686" y="4881408"/>
             <a:ext cx="1636922" cy="523220"/>
           </a:xfrm>
           <a:prstGeom prst="rect">
@@ -5129,7 +5076,7 @@
         </p:blipFill>
         <p:spPr>
           <a:xfrm>
-            <a:off x="4528857" y="2642708"/>
+            <a:off x="4779689" y="2687891"/>
             <a:ext cx="675053" cy="667727"/>
           </a:xfrm>
           <a:prstGeom prst="rect">
@@ -5151,7 +5098,7 @@
         </p:nvSpPr>
         <p:spPr>
           <a:xfrm>
-            <a:off x="3991965" y="3222228"/>
+            <a:off x="4454175" y="3246365"/>
             <a:ext cx="1636922" cy="523220"/>
           </a:xfrm>
           <a:prstGeom prst="rect">
@@ -5267,7 +5214,7 @@
                 </a:solidFill>
                 <a:cs typeface="Calibri"/>
               </a:rPr>
-              <a:t>API Container</a:t>
+              <a:t>REST API Containers</a:t>
             </a:r>
             <a:br>
               <a:rPr lang="en-US" sz="1400" dirty="0">
@@ -5284,7 +5231,7 @@
                 </a:solidFill>
                 <a:cs typeface="Calibri"/>
               </a:rPr>
-              <a:t>Node.js</a:t>
+              <a:t>Node.js/Python</a:t>
             </a:r>
           </a:p>
         </p:txBody>
@@ -5300,13 +5247,15 @@
           </p:cNvPr>
           <p:cNvCxnSpPr>
             <a:cxnSpLocks/>
+            <a:stCxn id="8" idx="3"/>
+            <a:endCxn id="24" idx="1"/>
           </p:cNvCxnSpPr>
           <p:nvPr/>
         </p:nvCxnSpPr>
         <p:spPr>
           <a:xfrm>
-            <a:off x="2059595" y="2455249"/>
-            <a:ext cx="1082921" cy="562708"/>
+            <a:off x="1957561" y="2496416"/>
+            <a:ext cx="1500029" cy="524506"/>
           </a:xfrm>
           <a:prstGeom prst="straightConnector1">
             <a:avLst/>
@@ -5341,13 +5290,14 @@
           </p:cNvPr>
           <p:cNvCxnSpPr>
             <a:cxnSpLocks/>
+            <a:stCxn id="9" idx="3"/>
           </p:cNvCxnSpPr>
           <p:nvPr/>
         </p:nvCxnSpPr>
         <p:spPr>
           <a:xfrm>
-            <a:off x="2022960" y="1502748"/>
-            <a:ext cx="1082921" cy="1515210"/>
+            <a:off x="1986386" y="1485301"/>
+            <a:ext cx="1223935" cy="1512145"/>
           </a:xfrm>
           <a:prstGeom prst="straightConnector1">
             <a:avLst/>
@@ -5382,13 +5332,15 @@
           </p:cNvPr>
           <p:cNvCxnSpPr>
             <a:cxnSpLocks/>
+            <a:stCxn id="24" idx="3"/>
+            <a:endCxn id="28" idx="1"/>
           </p:cNvCxnSpPr>
           <p:nvPr/>
         </p:nvCxnSpPr>
         <p:spPr>
           <a:xfrm>
-            <a:off x="3744786" y="2909517"/>
-            <a:ext cx="833805" cy="5864"/>
+            <a:off x="4132643" y="3020922"/>
+            <a:ext cx="647046" cy="833"/>
           </a:xfrm>
           <a:prstGeom prst="straightConnector1">
             <a:avLst/>
@@ -5426,7 +5378,7 @@
         </p:nvSpPr>
         <p:spPr>
           <a:xfrm>
-            <a:off x="7328962" y="2075755"/>
+            <a:off x="7985450" y="2075755"/>
             <a:ext cx="793373" cy="461665"/>
           </a:xfrm>
           <a:prstGeom prst="rect">
@@ -5570,7 +5522,7 @@
         </p:blipFill>
         <p:spPr>
           <a:xfrm>
-            <a:off x="7488045" y="1502199"/>
+            <a:off x="8144533" y="1502199"/>
             <a:ext cx="469900" cy="469900"/>
           </a:xfrm>
           <a:prstGeom prst="rect">
@@ -5592,7 +5544,7 @@
         </p:nvSpPr>
         <p:spPr>
           <a:xfrm>
-            <a:off x="6561708" y="3492534"/>
+            <a:off x="7218196" y="3492534"/>
             <a:ext cx="2301904" cy="307777"/>
           </a:xfrm>
           <a:prstGeom prst="rect">
@@ -5736,7 +5688,7 @@
         </p:blipFill>
         <p:spPr>
           <a:xfrm>
-            <a:off x="7357060" y="2786121"/>
+            <a:off x="8013548" y="2786121"/>
             <a:ext cx="711200" cy="711200"/>
           </a:xfrm>
           <a:prstGeom prst="rect">
@@ -5758,7 +5710,7 @@
         </p:nvSpPr>
         <p:spPr>
           <a:xfrm>
-            <a:off x="5561934" y="3220599"/>
+            <a:off x="6276391" y="3149329"/>
             <a:ext cx="1629941" cy="523220"/>
           </a:xfrm>
           <a:prstGeom prst="rect">
@@ -5911,7 +5863,7 @@
         </p:blipFill>
         <p:spPr>
           <a:xfrm>
-            <a:off x="6080592" y="2779503"/>
+            <a:off x="6737080" y="2779503"/>
             <a:ext cx="469900" cy="469900"/>
           </a:xfrm>
           <a:prstGeom prst="rect">
@@ -5930,13 +5882,15 @@
           </p:cNvPr>
           <p:cNvCxnSpPr>
             <a:cxnSpLocks/>
+            <a:stCxn id="28" idx="3"/>
+            <a:endCxn id="38" idx="1"/>
           </p:cNvCxnSpPr>
           <p:nvPr/>
         </p:nvCxnSpPr>
         <p:spPr>
-          <a:xfrm>
-            <a:off x="5202843" y="2931497"/>
-            <a:ext cx="833805" cy="5864"/>
+          <a:xfrm flipV="1">
+            <a:off x="5454742" y="3014453"/>
+            <a:ext cx="1282338" cy="7302"/>
           </a:xfrm>
           <a:prstGeom prst="straightConnector1">
             <a:avLst/>
@@ -5971,13 +5925,15 @@
           </p:cNvPr>
           <p:cNvCxnSpPr>
             <a:cxnSpLocks/>
+            <a:stCxn id="65" idx="3"/>
+            <a:endCxn id="34" idx="1"/>
           </p:cNvCxnSpPr>
           <p:nvPr/>
         </p:nvCxnSpPr>
         <p:spPr>
-          <a:xfrm>
-            <a:off x="3803401" y="1817804"/>
-            <a:ext cx="3757246" cy="5864"/>
+          <a:xfrm flipV="1">
+            <a:off x="5570008" y="1737149"/>
+            <a:ext cx="2574525" cy="219194"/>
           </a:xfrm>
           <a:prstGeom prst="straightConnector1">
             <a:avLst/>
@@ -6012,13 +5968,14 @@
           </p:cNvPr>
           <p:cNvCxnSpPr>
             <a:cxnSpLocks/>
+            <a:endCxn id="34" idx="1"/>
           </p:cNvCxnSpPr>
           <p:nvPr/>
         </p:nvCxnSpPr>
         <p:spPr>
           <a:xfrm flipV="1">
-            <a:off x="5224824" y="1830996"/>
-            <a:ext cx="2247900" cy="1019904"/>
+            <a:off x="5224824" y="1737149"/>
+            <a:ext cx="2919709" cy="1113752"/>
           </a:xfrm>
           <a:prstGeom prst="straightConnector1">
             <a:avLst/>
@@ -6053,13 +6010,15 @@
           </p:cNvPr>
           <p:cNvCxnSpPr>
             <a:cxnSpLocks/>
+            <a:stCxn id="14" idx="3"/>
+            <a:endCxn id="26" idx="1"/>
           </p:cNvCxnSpPr>
           <p:nvPr/>
         </p:nvCxnSpPr>
         <p:spPr>
           <a:xfrm flipV="1">
-            <a:off x="2132864" y="4651863"/>
-            <a:ext cx="994998" cy="52749"/>
+            <a:off x="2045001" y="4625299"/>
+            <a:ext cx="1409206" cy="98502"/>
           </a:xfrm>
           <a:prstGeom prst="straightConnector1">
             <a:avLst/>
@@ -6111,7 +6070,7 @@
         </p:blipFill>
         <p:spPr>
           <a:xfrm>
-            <a:off x="4528856" y="3741746"/>
+            <a:off x="4791746" y="3741746"/>
             <a:ext cx="675053" cy="667727"/>
           </a:xfrm>
           <a:prstGeom prst="rect">
@@ -6133,7 +6092,7 @@
         </p:nvSpPr>
         <p:spPr>
           <a:xfrm>
-            <a:off x="4050580" y="4277304"/>
+            <a:off x="4359190" y="4277304"/>
             <a:ext cx="1636922" cy="738664"/>
           </a:xfrm>
           <a:prstGeom prst="rect">
@@ -6313,7 +6272,7 @@
         </p:blipFill>
         <p:spPr>
           <a:xfrm>
-            <a:off x="4528856" y="4855438"/>
+            <a:off x="4791746" y="4855438"/>
             <a:ext cx="675053" cy="667727"/>
           </a:xfrm>
           <a:prstGeom prst="rect">
@@ -6335,7 +6294,7 @@
         </p:nvSpPr>
         <p:spPr>
           <a:xfrm>
-            <a:off x="4050580" y="5390996"/>
+            <a:off x="4359190" y="5390996"/>
             <a:ext cx="1636922" cy="738664"/>
           </a:xfrm>
           <a:prstGeom prst="rect">
@@ -6479,13 +6438,15 @@
           </p:cNvPr>
           <p:cNvCxnSpPr>
             <a:cxnSpLocks/>
+            <a:stCxn id="26" idx="3"/>
+            <a:endCxn id="47" idx="1"/>
           </p:cNvCxnSpPr>
           <p:nvPr/>
         </p:nvCxnSpPr>
         <p:spPr>
           <a:xfrm flipV="1">
-            <a:off x="3818055" y="4051055"/>
-            <a:ext cx="687269" cy="594941"/>
+            <a:off x="4129260" y="4075610"/>
+            <a:ext cx="662486" cy="549689"/>
           </a:xfrm>
           <a:prstGeom prst="straightConnector1">
             <a:avLst/>
@@ -6520,13 +6481,15 @@
           </p:cNvPr>
           <p:cNvCxnSpPr>
             <a:cxnSpLocks/>
+            <a:stCxn id="26" idx="3"/>
+            <a:endCxn id="49" idx="1"/>
           </p:cNvCxnSpPr>
           <p:nvPr/>
         </p:nvCxnSpPr>
         <p:spPr>
           <a:xfrm>
-            <a:off x="3803401" y="4697285"/>
-            <a:ext cx="767866" cy="474789"/>
+            <a:off x="4129260" y="4625299"/>
+            <a:ext cx="662486" cy="564003"/>
           </a:xfrm>
           <a:prstGeom prst="straightConnector1">
             <a:avLst/>
@@ -6561,95 +6524,14 @@
           </p:cNvPr>
           <p:cNvCxnSpPr>
             <a:cxnSpLocks/>
+            <a:endCxn id="36" idx="1"/>
           </p:cNvCxnSpPr>
           <p:nvPr/>
         </p:nvCxnSpPr>
         <p:spPr>
           <a:xfrm flipV="1">
-            <a:off x="5217497" y="1735747"/>
-            <a:ext cx="2394443" cy="2250826"/>
-          </a:xfrm>
-          <a:prstGeom prst="straightConnector1">
-            <a:avLst/>
-          </a:prstGeom>
-          <a:ln>
-            <a:tailEnd type="triangle"/>
-          </a:ln>
-        </p:spPr>
-        <p:style>
-          <a:lnRef idx="1">
-            <a:schemeClr val="accent1"/>
-          </a:lnRef>
-          <a:fillRef idx="0">
-            <a:schemeClr val="accent1"/>
-          </a:fillRef>
-          <a:effectRef idx="0">
-            <a:schemeClr val="accent1"/>
-          </a:effectRef>
-          <a:fontRef idx="minor">
-            <a:schemeClr val="tx1"/>
-          </a:fontRef>
-        </p:style>
-      </p:cxnSp>
-      <p:cxnSp>
-        <p:nvCxnSpPr>
-          <p:cNvPr id="54" name="Straight Arrow Connector 53">
-            <a:extLst>
-              <a:ext uri="{FF2B5EF4-FFF2-40B4-BE49-F238E27FC236}">
-                <a16:creationId xmlns:a16="http://schemas.microsoft.com/office/drawing/2014/main" id="{CA9791A4-AF80-494D-B114-2AD4AA85DA8E}"/>
-              </a:ext>
-            </a:extLst>
-          </p:cNvPr>
-          <p:cNvCxnSpPr>
-            <a:cxnSpLocks/>
-          </p:cNvCxnSpPr>
-          <p:nvPr/>
-        </p:nvCxnSpPr>
-        <p:spPr>
-          <a:xfrm flipV="1">
-            <a:off x="5158882" y="3376977"/>
-            <a:ext cx="2189290" cy="580289"/>
-          </a:xfrm>
-          <a:prstGeom prst="straightConnector1">
-            <a:avLst/>
-          </a:prstGeom>
-          <a:ln>
-            <a:tailEnd type="triangle"/>
-          </a:ln>
-        </p:spPr>
-        <p:style>
-          <a:lnRef idx="1">
-            <a:schemeClr val="accent1"/>
-          </a:lnRef>
-          <a:fillRef idx="0">
-            <a:schemeClr val="accent1"/>
-          </a:fillRef>
-          <a:effectRef idx="0">
-            <a:schemeClr val="accent1"/>
-          </a:effectRef>
-          <a:fontRef idx="minor">
-            <a:schemeClr val="tx1"/>
-          </a:fontRef>
-        </p:style>
-      </p:cxnSp>
-      <p:cxnSp>
-        <p:nvCxnSpPr>
-          <p:cNvPr id="55" name="Straight Arrow Connector 54">
-            <a:extLst>
-              <a:ext uri="{FF2B5EF4-FFF2-40B4-BE49-F238E27FC236}">
-                <a16:creationId xmlns:a16="http://schemas.microsoft.com/office/drawing/2014/main" id="{F67C2E2C-83B8-4344-BD2C-83F1845461E3}"/>
-              </a:ext>
-            </a:extLst>
-          </p:cNvPr>
-          <p:cNvCxnSpPr>
-            <a:cxnSpLocks/>
-          </p:cNvCxnSpPr>
-          <p:nvPr/>
-        </p:nvCxnSpPr>
-        <p:spPr>
-          <a:xfrm>
-            <a:off x="5151555" y="2887535"/>
-            <a:ext cx="2196617" cy="57155"/>
+            <a:off x="5217497" y="3141721"/>
+            <a:ext cx="2796051" cy="844852"/>
           </a:xfrm>
           <a:prstGeom prst="straightConnector1">
             <a:avLst/>
@@ -6684,13 +6566,15 @@
           </p:cNvPr>
           <p:cNvCxnSpPr>
             <a:cxnSpLocks/>
+            <a:stCxn id="49" idx="3"/>
+            <a:endCxn id="36" idx="1"/>
           </p:cNvCxnSpPr>
           <p:nvPr/>
         </p:nvCxnSpPr>
         <p:spPr>
           <a:xfrm flipV="1">
-            <a:off x="5217498" y="1860307"/>
-            <a:ext cx="2306521" cy="3283921"/>
+            <a:off x="5466799" y="3141721"/>
+            <a:ext cx="2546749" cy="2047581"/>
           </a:xfrm>
           <a:prstGeom prst="straightConnector1">
             <a:avLst/>
@@ -6863,7 +6747,7 @@
         </p:nvSpPr>
         <p:spPr>
           <a:xfrm>
-            <a:off x="9078789" y="1151059"/>
+            <a:off x="9735277" y="1151059"/>
             <a:ext cx="2014902" cy="923191"/>
           </a:xfrm>
           <a:prstGeom prst="ellipse">
@@ -6921,7 +6805,7 @@
         </p:nvSpPr>
         <p:spPr>
           <a:xfrm>
-            <a:off x="9078789" y="2455251"/>
+            <a:off x="9735277" y="2455251"/>
             <a:ext cx="2014902" cy="923191"/>
           </a:xfrm>
           <a:prstGeom prst="ellipse">
@@ -6976,13 +6860,15 @@
           </p:cNvPr>
           <p:cNvCxnSpPr>
             <a:cxnSpLocks/>
+            <a:stCxn id="59" idx="3"/>
+            <a:endCxn id="65" idx="1"/>
           </p:cNvCxnSpPr>
           <p:nvPr/>
         </p:nvCxnSpPr>
         <p:spPr>
           <a:xfrm>
-            <a:off x="3810727" y="1810477"/>
-            <a:ext cx="5207976" cy="1112228"/>
+            <a:off x="3064475" y="1793859"/>
+            <a:ext cx="1830480" cy="162484"/>
           </a:xfrm>
           <a:prstGeom prst="straightConnector1">
             <a:avLst/>
@@ -7017,13 +6903,15 @@
           </p:cNvPr>
           <p:cNvCxnSpPr>
             <a:cxnSpLocks/>
+            <a:stCxn id="28" idx="3"/>
+            <a:endCxn id="58" idx="2"/>
           </p:cNvCxnSpPr>
           <p:nvPr/>
         </p:nvCxnSpPr>
         <p:spPr>
           <a:xfrm flipV="1">
-            <a:off x="5239478" y="1603861"/>
-            <a:ext cx="3837840" cy="1283674"/>
+            <a:off x="5454742" y="1612655"/>
+            <a:ext cx="4280535" cy="1409100"/>
           </a:xfrm>
           <a:prstGeom prst="straightConnector1">
             <a:avLst/>
@@ -7061,7 +6949,7 @@
         </p:nvSpPr>
         <p:spPr>
           <a:xfrm>
-            <a:off x="9093442" y="3993905"/>
+            <a:off x="9749930" y="3993905"/>
             <a:ext cx="2014902" cy="923191"/>
           </a:xfrm>
           <a:prstGeom prst="ellipse">
@@ -7105,24 +6993,379 @@
           </a:p>
         </p:txBody>
       </p:sp>
+      <p:pic>
+        <p:nvPicPr>
+          <p:cNvPr id="59" name="Graphic 58">
+            <a:extLst>
+              <a:ext uri="{FF2B5EF4-FFF2-40B4-BE49-F238E27FC236}">
+                <a16:creationId xmlns:a16="http://schemas.microsoft.com/office/drawing/2014/main" id="{FE519736-4A60-DE43-BC6E-2807305D4BA4}"/>
+              </a:ext>
+            </a:extLst>
+          </p:cNvPr>
+          <p:cNvPicPr>
+            <a:picLocks noChangeAspect="1"/>
+          </p:cNvPicPr>
+          <p:nvPr/>
+        </p:nvPicPr>
+        <p:blipFill>
+          <a:blip r:embed="rId16">
+            <a:extLst>
+              <a:ext uri="{96DAC541-7B7A-43D3-8B79-37D633B846F1}">
+                <asvg:svgBlip xmlns:asvg="http://schemas.microsoft.com/office/drawing/2016/SVG/main" r:embed="rId17"/>
+              </a:ext>
+            </a:extLst>
+          </a:blip>
+          <a:stretch>
+            <a:fillRect/>
+          </a:stretch>
+        </p:blipFill>
+        <p:spPr>
+          <a:xfrm>
+            <a:off x="2456587" y="1489915"/>
+            <a:ext cx="607888" cy="607888"/>
+          </a:xfrm>
+          <a:prstGeom prst="rect">
+            <a:avLst/>
+          </a:prstGeom>
+        </p:spPr>
+      </p:pic>
+      <p:pic>
+        <p:nvPicPr>
+          <p:cNvPr id="65" name="Graphic 1">
+            <a:extLst>
+              <a:ext uri="{FF2B5EF4-FFF2-40B4-BE49-F238E27FC236}">
+                <a16:creationId xmlns:a16="http://schemas.microsoft.com/office/drawing/2014/main" id="{1E6275B2-A44E-CE45-B72A-435FB15A7414}"/>
+              </a:ext>
+            </a:extLst>
+          </p:cNvPr>
+          <p:cNvPicPr>
+            <a:picLocks noChangeAspect="1"/>
+          </p:cNvPicPr>
+          <p:nvPr/>
+        </p:nvPicPr>
+        <p:blipFill>
+          <a:blip r:embed="rId8">
+            <a:extLst>
+              <a:ext uri="{96DAC541-7B7A-43D3-8B79-37D633B846F1}">
+                <asvg:svgBlip xmlns:asvg="http://schemas.microsoft.com/office/drawing/2016/SVG/main" r:embed="rId9"/>
+              </a:ext>
+            </a:extLst>
+          </a:blip>
+          <a:stretch>
+            <a:fillRect/>
+          </a:stretch>
+        </p:blipFill>
+        <p:spPr>
+          <a:xfrm>
+            <a:off x="4894955" y="1622479"/>
+            <a:ext cx="675053" cy="667727"/>
+          </a:xfrm>
+          <a:prstGeom prst="rect">
+            <a:avLst/>
+          </a:prstGeom>
+        </p:spPr>
+      </p:pic>
+      <p:sp>
+        <p:nvSpPr>
+          <p:cNvPr id="68" name="TextBox 3">
+            <a:extLst>
+              <a:ext uri="{FF2B5EF4-FFF2-40B4-BE49-F238E27FC236}">
+                <a16:creationId xmlns:a16="http://schemas.microsoft.com/office/drawing/2014/main" id="{5E37B22D-06E6-9844-860B-C75E9CECD848}"/>
+              </a:ext>
+            </a:extLst>
+          </p:cNvPr>
+          <p:cNvSpPr txBox="1"/>
+          <p:nvPr/>
+        </p:nvSpPr>
+        <p:spPr>
+          <a:xfrm>
+            <a:off x="4466386" y="2154935"/>
+            <a:ext cx="1636922" cy="523220"/>
+          </a:xfrm>
+          <a:prstGeom prst="rect">
+            <a:avLst/>
+          </a:prstGeom>
+          <a:noFill/>
+        </p:spPr>
+        <p:txBody>
+          <a:bodyPr wrap="square" rtlCol="0" anchor="t">
+            <a:spAutoFit/>
+          </a:bodyPr>
+          <a:lstStyle>
+            <a:defPPr>
+              <a:defRPr lang="en-US"/>
+            </a:defPPr>
+            <a:lvl1pPr marL="0" algn="l" defTabSz="914400" rtl="0" eaLnBrk="1" latinLnBrk="0" hangingPunct="1">
+              <a:defRPr sz="1800" kern="1200">
+                <a:solidFill>
+                  <a:schemeClr val="tx1"/>
+                </a:solidFill>
+                <a:latin typeface="+mn-lt"/>
+                <a:ea typeface="+mn-ea"/>
+                <a:cs typeface="+mn-cs"/>
+              </a:defRPr>
+            </a:lvl1pPr>
+            <a:lvl2pPr marL="457200" algn="l" defTabSz="914400" rtl="0" eaLnBrk="1" latinLnBrk="0" hangingPunct="1">
+              <a:defRPr sz="1800" kern="1200">
+                <a:solidFill>
+                  <a:schemeClr val="tx1"/>
+                </a:solidFill>
+                <a:latin typeface="+mn-lt"/>
+                <a:ea typeface="+mn-ea"/>
+                <a:cs typeface="+mn-cs"/>
+              </a:defRPr>
+            </a:lvl2pPr>
+            <a:lvl3pPr marL="914400" algn="l" defTabSz="914400" rtl="0" eaLnBrk="1" latinLnBrk="0" hangingPunct="1">
+              <a:defRPr sz="1800" kern="1200">
+                <a:solidFill>
+                  <a:schemeClr val="tx1"/>
+                </a:solidFill>
+                <a:latin typeface="+mn-lt"/>
+                <a:ea typeface="+mn-ea"/>
+                <a:cs typeface="+mn-cs"/>
+              </a:defRPr>
+            </a:lvl3pPr>
+            <a:lvl4pPr marL="1371600" algn="l" defTabSz="914400" rtl="0" eaLnBrk="1" latinLnBrk="0" hangingPunct="1">
+              <a:defRPr sz="1800" kern="1200">
+                <a:solidFill>
+                  <a:schemeClr val="tx1"/>
+                </a:solidFill>
+                <a:latin typeface="+mn-lt"/>
+                <a:ea typeface="+mn-ea"/>
+                <a:cs typeface="+mn-cs"/>
+              </a:defRPr>
+            </a:lvl4pPr>
+            <a:lvl5pPr marL="1828800" algn="l" defTabSz="914400" rtl="0" eaLnBrk="1" latinLnBrk="0" hangingPunct="1">
+              <a:defRPr sz="1800" kern="1200">
+                <a:solidFill>
+                  <a:schemeClr val="tx1"/>
+                </a:solidFill>
+                <a:latin typeface="+mn-lt"/>
+                <a:ea typeface="+mn-ea"/>
+                <a:cs typeface="+mn-cs"/>
+              </a:defRPr>
+            </a:lvl5pPr>
+            <a:lvl6pPr marL="2286000" algn="l" defTabSz="914400" rtl="0" eaLnBrk="1" latinLnBrk="0" hangingPunct="1">
+              <a:defRPr sz="1800" kern="1200">
+                <a:solidFill>
+                  <a:schemeClr val="tx1"/>
+                </a:solidFill>
+                <a:latin typeface="+mn-lt"/>
+                <a:ea typeface="+mn-ea"/>
+                <a:cs typeface="+mn-cs"/>
+              </a:defRPr>
+            </a:lvl6pPr>
+            <a:lvl7pPr marL="2743200" algn="l" defTabSz="914400" rtl="0" eaLnBrk="1" latinLnBrk="0" hangingPunct="1">
+              <a:defRPr sz="1800" kern="1200">
+                <a:solidFill>
+                  <a:schemeClr val="tx1"/>
+                </a:solidFill>
+                <a:latin typeface="+mn-lt"/>
+                <a:ea typeface="+mn-ea"/>
+                <a:cs typeface="+mn-cs"/>
+              </a:defRPr>
+            </a:lvl7pPr>
+            <a:lvl8pPr marL="3200400" algn="l" defTabSz="914400" rtl="0" eaLnBrk="1" latinLnBrk="0" hangingPunct="1">
+              <a:defRPr sz="1800" kern="1200">
+                <a:solidFill>
+                  <a:schemeClr val="tx1"/>
+                </a:solidFill>
+                <a:latin typeface="+mn-lt"/>
+                <a:ea typeface="+mn-ea"/>
+                <a:cs typeface="+mn-cs"/>
+              </a:defRPr>
+            </a:lvl8pPr>
+            <a:lvl9pPr marL="3657600" algn="l" defTabSz="914400" rtl="0" eaLnBrk="1" latinLnBrk="0" hangingPunct="1">
+              <a:defRPr sz="1800" kern="1200">
+                <a:solidFill>
+                  <a:schemeClr val="tx1"/>
+                </a:solidFill>
+                <a:latin typeface="+mn-lt"/>
+                <a:ea typeface="+mn-ea"/>
+                <a:cs typeface="+mn-cs"/>
+              </a:defRPr>
+            </a:lvl9pPr>
+          </a:lstStyle>
+          <a:p>
+            <a:pPr algn="ctr"/>
+            <a:r>
+              <a:rPr lang="en-US" sz="1400" dirty="0" err="1">
+                <a:solidFill>
+                  <a:srgbClr val="232F3E"/>
+                </a:solidFill>
+                <a:cs typeface="Calibri"/>
+              </a:rPr>
+              <a:t>GraphQL</a:t>
+            </a:r>
+            <a:br>
+              <a:rPr lang="en-US" sz="1400" dirty="0">
+                <a:solidFill>
+                  <a:srgbClr val="232F3E"/>
+                </a:solidFill>
+                <a:cs typeface="Calibri"/>
+              </a:rPr>
+            </a:br>
+            <a:r>
+              <a:rPr lang="en-US" sz="1400" dirty="0">
+                <a:solidFill>
+                  <a:srgbClr val="232F3E"/>
+                </a:solidFill>
+                <a:cs typeface="Calibri"/>
+              </a:rPr>
+              <a:t>Node.js</a:t>
+            </a:r>
+          </a:p>
+        </p:txBody>
+      </p:sp>
       <p:cxnSp>
         <p:nvCxnSpPr>
-          <p:cNvPr id="64" name="Straight Arrow Connector 63">
+          <p:cNvPr id="72" name="Straight Arrow Connector 71">
             <a:extLst>
               <a:ext uri="{FF2B5EF4-FFF2-40B4-BE49-F238E27FC236}">
-                <a16:creationId xmlns:a16="http://schemas.microsoft.com/office/drawing/2014/main" id="{027F65BE-EED6-40D3-825F-6A1373ECF707}"/>
+                <a16:creationId xmlns:a16="http://schemas.microsoft.com/office/drawing/2014/main" id="{AA91CCF9-92AE-2C48-95A9-3579FD65CC14}"/>
               </a:ext>
             </a:extLst>
           </p:cNvPr>
           <p:cNvCxnSpPr>
             <a:cxnSpLocks/>
+            <a:stCxn id="24" idx="3"/>
+            <a:endCxn id="65" idx="1"/>
           </p:cNvCxnSpPr>
           <p:nvPr/>
         </p:nvCxnSpPr>
         <p:spPr>
+          <a:xfrm flipV="1">
+            <a:off x="4132643" y="1956343"/>
+            <a:ext cx="762312" cy="1064579"/>
+          </a:xfrm>
+          <a:prstGeom prst="straightConnector1">
+            <a:avLst/>
+          </a:prstGeom>
+          <a:ln>
+            <a:tailEnd type="triangle"/>
+          </a:ln>
+        </p:spPr>
+        <p:style>
+          <a:lnRef idx="1">
+            <a:schemeClr val="accent1"/>
+          </a:lnRef>
+          <a:fillRef idx="0">
+            <a:schemeClr val="accent1"/>
+          </a:fillRef>
+          <a:effectRef idx="0">
+            <a:schemeClr val="accent1"/>
+          </a:effectRef>
+          <a:fontRef idx="minor">
+            <a:schemeClr val="tx1"/>
+          </a:fontRef>
+        </p:style>
+      </p:cxnSp>
+      <p:cxnSp>
+        <p:nvCxnSpPr>
+          <p:cNvPr id="78" name="Straight Arrow Connector 77">
+            <a:extLst>
+              <a:ext uri="{FF2B5EF4-FFF2-40B4-BE49-F238E27FC236}">
+                <a16:creationId xmlns:a16="http://schemas.microsoft.com/office/drawing/2014/main" id="{BF7258CB-3CDE-2F48-9B67-EDC78983577B}"/>
+              </a:ext>
+            </a:extLst>
+          </p:cNvPr>
+          <p:cNvCxnSpPr>
+            <a:cxnSpLocks/>
+            <a:stCxn id="65" idx="3"/>
+            <a:endCxn id="38" idx="1"/>
+          </p:cNvCxnSpPr>
+          <p:nvPr/>
+        </p:nvCxnSpPr>
+        <p:spPr>
           <a:xfrm>
-            <a:off x="5166208" y="2909515"/>
-            <a:ext cx="3903784" cy="1515208"/>
+            <a:off x="5570008" y="1956343"/>
+            <a:ext cx="1167072" cy="1058110"/>
+          </a:xfrm>
+          <a:prstGeom prst="straightConnector1">
+            <a:avLst/>
+          </a:prstGeom>
+          <a:ln>
+            <a:tailEnd type="triangle"/>
+          </a:ln>
+        </p:spPr>
+        <p:style>
+          <a:lnRef idx="1">
+            <a:schemeClr val="accent1"/>
+          </a:lnRef>
+          <a:fillRef idx="0">
+            <a:schemeClr val="accent1"/>
+          </a:fillRef>
+          <a:effectRef idx="0">
+            <a:schemeClr val="accent1"/>
+          </a:effectRef>
+          <a:fontRef idx="minor">
+            <a:schemeClr val="tx1"/>
+          </a:fontRef>
+        </p:style>
+      </p:cxnSp>
+      <p:cxnSp>
+        <p:nvCxnSpPr>
+          <p:cNvPr id="89" name="Straight Arrow Connector 88">
+            <a:extLst>
+              <a:ext uri="{FF2B5EF4-FFF2-40B4-BE49-F238E27FC236}">
+                <a16:creationId xmlns:a16="http://schemas.microsoft.com/office/drawing/2014/main" id="{B8C0AD40-95AC-AD47-ABD8-81E9D421CC59}"/>
+              </a:ext>
+            </a:extLst>
+          </p:cNvPr>
+          <p:cNvCxnSpPr>
+            <a:cxnSpLocks/>
+            <a:stCxn id="28" idx="3"/>
+            <a:endCxn id="60" idx="2"/>
+          </p:cNvCxnSpPr>
+          <p:nvPr/>
+        </p:nvCxnSpPr>
+        <p:spPr>
+          <a:xfrm flipV="1">
+            <a:off x="5454742" y="2916847"/>
+            <a:ext cx="4280535" cy="104908"/>
+          </a:xfrm>
+          <a:prstGeom prst="straightConnector1">
+            <a:avLst/>
+          </a:prstGeom>
+          <a:ln>
+            <a:tailEnd type="triangle"/>
+          </a:ln>
+        </p:spPr>
+        <p:style>
+          <a:lnRef idx="1">
+            <a:schemeClr val="accent1"/>
+          </a:lnRef>
+          <a:fillRef idx="0">
+            <a:schemeClr val="accent1"/>
+          </a:fillRef>
+          <a:effectRef idx="0">
+            <a:schemeClr val="accent1"/>
+          </a:effectRef>
+          <a:fontRef idx="minor">
+            <a:schemeClr val="tx1"/>
+          </a:fontRef>
+        </p:style>
+      </p:cxnSp>
+      <p:cxnSp>
+        <p:nvCxnSpPr>
+          <p:cNvPr id="92" name="Straight Arrow Connector 91">
+            <a:extLst>
+              <a:ext uri="{FF2B5EF4-FFF2-40B4-BE49-F238E27FC236}">
+                <a16:creationId xmlns:a16="http://schemas.microsoft.com/office/drawing/2014/main" id="{93696488-BE4C-BE43-B196-FBF9EBD52F92}"/>
+              </a:ext>
+            </a:extLst>
+          </p:cNvPr>
+          <p:cNvCxnSpPr>
+            <a:cxnSpLocks/>
+            <a:stCxn id="28" idx="3"/>
+            <a:endCxn id="63" idx="2"/>
+          </p:cNvCxnSpPr>
+          <p:nvPr/>
+        </p:nvCxnSpPr>
+        <p:spPr>
+          <a:xfrm>
+            <a:off x="5454742" y="3021755"/>
+            <a:ext cx="4295188" cy="1433746"/>
           </a:xfrm>
           <a:prstGeom prst="straightConnector1">
             <a:avLst/>

--- a/Architecture/overview.pptx
+++ b/Architecture/overview.pptx
@@ -3967,175 +3967,6 @@
       </p:sp>
       <p:sp>
         <p:nvSpPr>
-          <p:cNvPr id="16" name="TextBox 1">
-            <a:extLst>
-              <a:ext uri="{FF2B5EF4-FFF2-40B4-BE49-F238E27FC236}">
-                <a16:creationId xmlns:a16="http://schemas.microsoft.com/office/drawing/2014/main" id="{ABB9A051-54C6-415F-8C5D-656D45AD866A}"/>
-              </a:ext>
-            </a:extLst>
-          </p:cNvPr>
-          <p:cNvSpPr txBox="1"/>
-          <p:nvPr/>
-        </p:nvSpPr>
-        <p:spPr>
-          <a:xfrm>
-            <a:off x="1003116" y="5934161"/>
-            <a:ext cx="1513305" cy="307777"/>
-          </a:xfrm>
-          <a:prstGeom prst="rect">
-            <a:avLst/>
-          </a:prstGeom>
-          <a:noFill/>
-        </p:spPr>
-        <p:txBody>
-          <a:bodyPr wrap="square" rtlCol="0" anchor="t">
-            <a:spAutoFit/>
-          </a:bodyPr>
-          <a:lstStyle>
-            <a:defPPr>
-              <a:defRPr lang="en-US"/>
-            </a:defPPr>
-            <a:lvl1pPr marL="0" algn="l" defTabSz="914400" rtl="0" eaLnBrk="1" latinLnBrk="0" hangingPunct="1">
-              <a:defRPr sz="1800" kern="1200">
-                <a:solidFill>
-                  <a:schemeClr val="tx1"/>
-                </a:solidFill>
-                <a:latin typeface="+mn-lt"/>
-                <a:ea typeface="+mn-ea"/>
-                <a:cs typeface="+mn-cs"/>
-              </a:defRPr>
-            </a:lvl1pPr>
-            <a:lvl2pPr marL="457200" algn="l" defTabSz="914400" rtl="0" eaLnBrk="1" latinLnBrk="0" hangingPunct="1">
-              <a:defRPr sz="1800" kern="1200">
-                <a:solidFill>
-                  <a:schemeClr val="tx1"/>
-                </a:solidFill>
-                <a:latin typeface="+mn-lt"/>
-                <a:ea typeface="+mn-ea"/>
-                <a:cs typeface="+mn-cs"/>
-              </a:defRPr>
-            </a:lvl2pPr>
-            <a:lvl3pPr marL="914400" algn="l" defTabSz="914400" rtl="0" eaLnBrk="1" latinLnBrk="0" hangingPunct="1">
-              <a:defRPr sz="1800" kern="1200">
-                <a:solidFill>
-                  <a:schemeClr val="tx1"/>
-                </a:solidFill>
-                <a:latin typeface="+mn-lt"/>
-                <a:ea typeface="+mn-ea"/>
-                <a:cs typeface="+mn-cs"/>
-              </a:defRPr>
-            </a:lvl3pPr>
-            <a:lvl4pPr marL="1371600" algn="l" defTabSz="914400" rtl="0" eaLnBrk="1" latinLnBrk="0" hangingPunct="1">
-              <a:defRPr sz="1800" kern="1200">
-                <a:solidFill>
-                  <a:schemeClr val="tx1"/>
-                </a:solidFill>
-                <a:latin typeface="+mn-lt"/>
-                <a:ea typeface="+mn-ea"/>
-                <a:cs typeface="+mn-cs"/>
-              </a:defRPr>
-            </a:lvl4pPr>
-            <a:lvl5pPr marL="1828800" algn="l" defTabSz="914400" rtl="0" eaLnBrk="1" latinLnBrk="0" hangingPunct="1">
-              <a:defRPr sz="1800" kern="1200">
-                <a:solidFill>
-                  <a:schemeClr val="tx1"/>
-                </a:solidFill>
-                <a:latin typeface="+mn-lt"/>
-                <a:ea typeface="+mn-ea"/>
-                <a:cs typeface="+mn-cs"/>
-              </a:defRPr>
-            </a:lvl5pPr>
-            <a:lvl6pPr marL="2286000" algn="l" defTabSz="914400" rtl="0" eaLnBrk="1" latinLnBrk="0" hangingPunct="1">
-              <a:defRPr sz="1800" kern="1200">
-                <a:solidFill>
-                  <a:schemeClr val="tx1"/>
-                </a:solidFill>
-                <a:latin typeface="+mn-lt"/>
-                <a:ea typeface="+mn-ea"/>
-                <a:cs typeface="+mn-cs"/>
-              </a:defRPr>
-            </a:lvl6pPr>
-            <a:lvl7pPr marL="2743200" algn="l" defTabSz="914400" rtl="0" eaLnBrk="1" latinLnBrk="0" hangingPunct="1">
-              <a:defRPr sz="1800" kern="1200">
-                <a:solidFill>
-                  <a:schemeClr val="tx1"/>
-                </a:solidFill>
-                <a:latin typeface="+mn-lt"/>
-                <a:ea typeface="+mn-ea"/>
-                <a:cs typeface="+mn-cs"/>
-              </a:defRPr>
-            </a:lvl7pPr>
-            <a:lvl8pPr marL="3200400" algn="l" defTabSz="914400" rtl="0" eaLnBrk="1" latinLnBrk="0" hangingPunct="1">
-              <a:defRPr sz="1800" kern="1200">
-                <a:solidFill>
-                  <a:schemeClr val="tx1"/>
-                </a:solidFill>
-                <a:latin typeface="+mn-lt"/>
-                <a:ea typeface="+mn-ea"/>
-                <a:cs typeface="+mn-cs"/>
-              </a:defRPr>
-            </a:lvl8pPr>
-            <a:lvl9pPr marL="3657600" algn="l" defTabSz="914400" rtl="0" eaLnBrk="1" latinLnBrk="0" hangingPunct="1">
-              <a:defRPr sz="1800" kern="1200">
-                <a:solidFill>
-                  <a:schemeClr val="tx1"/>
-                </a:solidFill>
-                <a:latin typeface="+mn-lt"/>
-                <a:ea typeface="+mn-ea"/>
-                <a:cs typeface="+mn-cs"/>
-              </a:defRPr>
-            </a:lvl9pPr>
-          </a:lstStyle>
-          <a:p>
-            <a:pPr algn="ctr"/>
-            <a:r>
-              <a:rPr lang="en-US" sz="1400" dirty="0"/>
-              <a:t>Docker</a:t>
-            </a:r>
-            <a:endParaRPr lang="en-US" sz="1400" dirty="0">
-              <a:cs typeface="Calibri"/>
-            </a:endParaRPr>
-          </a:p>
-        </p:txBody>
-      </p:sp>
-      <p:pic>
-        <p:nvPicPr>
-          <p:cNvPr id="17" name="Graphic 2">
-            <a:extLst>
-              <a:ext uri="{FF2B5EF4-FFF2-40B4-BE49-F238E27FC236}">
-                <a16:creationId xmlns:a16="http://schemas.microsoft.com/office/drawing/2014/main" id="{F0D0A039-E39B-4C06-A3B6-EFED3EE9AE8C}"/>
-              </a:ext>
-            </a:extLst>
-          </p:cNvPr>
-          <p:cNvPicPr>
-            <a:picLocks noChangeAspect="1"/>
-          </p:cNvPicPr>
-          <p:nvPr/>
-        </p:nvPicPr>
-        <p:blipFill>
-          <a:blip r:embed="rId8">
-            <a:extLst>
-              <a:ext uri="{96DAC541-7B7A-43D3-8B79-37D633B846F1}">
-                <asvg:svgBlip xmlns:asvg="http://schemas.microsoft.com/office/drawing/2016/SVG/main" r:embed="rId9"/>
-              </a:ext>
-            </a:extLst>
-          </a:blip>
-          <a:stretch>
-            <a:fillRect/>
-          </a:stretch>
-        </p:blipFill>
-        <p:spPr>
-          <a:xfrm>
-            <a:off x="1524818" y="5507537"/>
-            <a:ext cx="469900" cy="469900"/>
-          </a:xfrm>
-          <a:prstGeom prst="rect">
-            <a:avLst/>
-          </a:prstGeom>
-        </p:spPr>
-      </p:pic>
-      <p:sp>
-        <p:nvSpPr>
           <p:cNvPr id="18" name="Rectangle 17">
             <a:extLst>
               <a:ext uri="{FF2B5EF4-FFF2-40B4-BE49-F238E27FC236}">
@@ -6598,141 +6429,6 @@
           </a:fontRef>
         </p:style>
       </p:cxnSp>
-      <p:sp>
-        <p:nvSpPr>
-          <p:cNvPr id="57" name="TextBox 3">
-            <a:extLst>
-              <a:ext uri="{FF2B5EF4-FFF2-40B4-BE49-F238E27FC236}">
-                <a16:creationId xmlns:a16="http://schemas.microsoft.com/office/drawing/2014/main" id="{1EBE39FC-15BE-487C-B6ED-DA3B2B808FC3}"/>
-              </a:ext>
-            </a:extLst>
-          </p:cNvPr>
-          <p:cNvSpPr txBox="1"/>
-          <p:nvPr/>
-        </p:nvSpPr>
-        <p:spPr>
-          <a:xfrm>
-            <a:off x="2746387" y="5933188"/>
-            <a:ext cx="1636922" cy="307777"/>
-          </a:xfrm>
-          <a:prstGeom prst="rect">
-            <a:avLst/>
-          </a:prstGeom>
-          <a:noFill/>
-        </p:spPr>
-        <p:txBody>
-          <a:bodyPr wrap="square" rtlCol="0" anchor="t">
-            <a:spAutoFit/>
-          </a:bodyPr>
-          <a:lstStyle>
-            <a:defPPr>
-              <a:defRPr lang="en-US"/>
-            </a:defPPr>
-            <a:lvl1pPr marL="0" algn="l" defTabSz="914400" rtl="0" eaLnBrk="1" latinLnBrk="0" hangingPunct="1">
-              <a:defRPr sz="1800" kern="1200">
-                <a:solidFill>
-                  <a:schemeClr val="tx1"/>
-                </a:solidFill>
-                <a:latin typeface="+mn-lt"/>
-                <a:ea typeface="+mn-ea"/>
-                <a:cs typeface="+mn-cs"/>
-              </a:defRPr>
-            </a:lvl1pPr>
-            <a:lvl2pPr marL="457200" algn="l" defTabSz="914400" rtl="0" eaLnBrk="1" latinLnBrk="0" hangingPunct="1">
-              <a:defRPr sz="1800" kern="1200">
-                <a:solidFill>
-                  <a:schemeClr val="tx1"/>
-                </a:solidFill>
-                <a:latin typeface="+mn-lt"/>
-                <a:ea typeface="+mn-ea"/>
-                <a:cs typeface="+mn-cs"/>
-              </a:defRPr>
-            </a:lvl2pPr>
-            <a:lvl3pPr marL="914400" algn="l" defTabSz="914400" rtl="0" eaLnBrk="1" latinLnBrk="0" hangingPunct="1">
-              <a:defRPr sz="1800" kern="1200">
-                <a:solidFill>
-                  <a:schemeClr val="tx1"/>
-                </a:solidFill>
-                <a:latin typeface="+mn-lt"/>
-                <a:ea typeface="+mn-ea"/>
-                <a:cs typeface="+mn-cs"/>
-              </a:defRPr>
-            </a:lvl3pPr>
-            <a:lvl4pPr marL="1371600" algn="l" defTabSz="914400" rtl="0" eaLnBrk="1" latinLnBrk="0" hangingPunct="1">
-              <a:defRPr sz="1800" kern="1200">
-                <a:solidFill>
-                  <a:schemeClr val="tx1"/>
-                </a:solidFill>
-                <a:latin typeface="+mn-lt"/>
-                <a:ea typeface="+mn-ea"/>
-                <a:cs typeface="+mn-cs"/>
-              </a:defRPr>
-            </a:lvl4pPr>
-            <a:lvl5pPr marL="1828800" algn="l" defTabSz="914400" rtl="0" eaLnBrk="1" latinLnBrk="0" hangingPunct="1">
-              <a:defRPr sz="1800" kern="1200">
-                <a:solidFill>
-                  <a:schemeClr val="tx1"/>
-                </a:solidFill>
-                <a:latin typeface="+mn-lt"/>
-                <a:ea typeface="+mn-ea"/>
-                <a:cs typeface="+mn-cs"/>
-              </a:defRPr>
-            </a:lvl5pPr>
-            <a:lvl6pPr marL="2286000" algn="l" defTabSz="914400" rtl="0" eaLnBrk="1" latinLnBrk="0" hangingPunct="1">
-              <a:defRPr sz="1800" kern="1200">
-                <a:solidFill>
-                  <a:schemeClr val="tx1"/>
-                </a:solidFill>
-                <a:latin typeface="+mn-lt"/>
-                <a:ea typeface="+mn-ea"/>
-                <a:cs typeface="+mn-cs"/>
-              </a:defRPr>
-            </a:lvl6pPr>
-            <a:lvl7pPr marL="2743200" algn="l" defTabSz="914400" rtl="0" eaLnBrk="1" latinLnBrk="0" hangingPunct="1">
-              <a:defRPr sz="1800" kern="1200">
-                <a:solidFill>
-                  <a:schemeClr val="tx1"/>
-                </a:solidFill>
-                <a:latin typeface="+mn-lt"/>
-                <a:ea typeface="+mn-ea"/>
-                <a:cs typeface="+mn-cs"/>
-              </a:defRPr>
-            </a:lvl7pPr>
-            <a:lvl8pPr marL="3200400" algn="l" defTabSz="914400" rtl="0" eaLnBrk="1" latinLnBrk="0" hangingPunct="1">
-              <a:defRPr sz="1800" kern="1200">
-                <a:solidFill>
-                  <a:schemeClr val="tx1"/>
-                </a:solidFill>
-                <a:latin typeface="+mn-lt"/>
-                <a:ea typeface="+mn-ea"/>
-                <a:cs typeface="+mn-cs"/>
-              </a:defRPr>
-            </a:lvl8pPr>
-            <a:lvl9pPr marL="3657600" algn="l" defTabSz="914400" rtl="0" eaLnBrk="1" latinLnBrk="0" hangingPunct="1">
-              <a:defRPr sz="1800" kern="1200">
-                <a:solidFill>
-                  <a:schemeClr val="tx1"/>
-                </a:solidFill>
-                <a:latin typeface="+mn-lt"/>
-                <a:ea typeface="+mn-ea"/>
-                <a:cs typeface="+mn-cs"/>
-              </a:defRPr>
-            </a:lvl9pPr>
-          </a:lstStyle>
-          <a:p>
-            <a:pPr algn="ctr"/>
-            <a:r>
-              <a:rPr lang="en-US" sz="1400" dirty="0">
-                <a:solidFill>
-                  <a:srgbClr val="232F3E"/>
-                </a:solidFill>
-                <a:cs typeface="Calibri"/>
-              </a:rPr>
-              <a:t>Prometeus</a:t>
-            </a:r>
-          </a:p>
-        </p:txBody>
-      </p:sp>
       <p:sp>
         <p:nvSpPr>
           <p:cNvPr id="58" name="Oval 57">
